--- a/5.Crypto/Cryptology10-HTTPSandTLS.pptx
+++ b/5.Crypto/Cryptology10-HTTPSandTLS.pptx
@@ -214,7 +214,7 @@
           <a:p>
             <a:fld id="{0FBB2B09-09A1-420A-863F-C88E8594038B}" type="datetimeFigureOut">
               <a:rPr lang="en-US" smtClean="0"/>
-              <a:t>4/15/2019</a:t>
+              <a:t>11/26/2020</a:t>
             </a:fld>
             <a:endParaRPr lang="en-US"/>
           </a:p>
@@ -1640,13 +1640,32 @@
           <a:p>
             <a:r>
               <a:rPr lang="en-US" dirty="0"/>
-              <a:t>Here is a listing of TLS libraries.</a:t>
-            </a:r>
-          </a:p>
-          <a:p>
+              <a:t>Here is a great video on TLS. </a:t>
+            </a:r>
             <a:r>
               <a:rPr lang="en-US" dirty="0">
                 <a:hlinkClick r:id="rId3"/>
+              </a:rPr>
+              <a:t>https://www.youtube.com/watch?v=0TLDTodL7Lc</a:t>
+            </a:r>
+            <a:r>
+              <a:rPr lang="en-US" dirty="0"/>
+              <a:t> </a:t>
+            </a:r>
+          </a:p>
+          <a:p>
+            <a:endParaRPr lang="en-US" dirty="0"/>
+          </a:p>
+          <a:p>
+            <a:r>
+              <a:rPr lang="en-US" dirty="0"/>
+              <a:t>Here is a listing of TLS libraries.</a:t>
+            </a:r>
+          </a:p>
+          <a:p>
+            <a:r>
+              <a:rPr lang="en-US" dirty="0">
+                <a:hlinkClick r:id="rId4"/>
               </a:rPr>
               <a:t>https://en.wikipedia.org/wiki/Comparison_of_TLS_implementations</a:t>
             </a:r>
@@ -2350,7 +2369,7 @@
           <a:p>
             <a:fld id="{1451AC46-F7BF-44D3-9ECB-7DDAC9A69083}" type="datetimeFigureOut">
               <a:rPr lang="en-US" smtClean="0"/>
-              <a:t>4/15/2019</a:t>
+              <a:t>11/26/2020</a:t>
             </a:fld>
             <a:endParaRPr lang="en-US"/>
           </a:p>
@@ -2548,7 +2567,7 @@
           <a:p>
             <a:fld id="{1451AC46-F7BF-44D3-9ECB-7DDAC9A69083}" type="datetimeFigureOut">
               <a:rPr lang="en-US" smtClean="0"/>
-              <a:t>4/15/2019</a:t>
+              <a:t>11/26/2020</a:t>
             </a:fld>
             <a:endParaRPr lang="en-US"/>
           </a:p>
@@ -2756,7 +2775,7 @@
           <a:p>
             <a:fld id="{1451AC46-F7BF-44D3-9ECB-7DDAC9A69083}" type="datetimeFigureOut">
               <a:rPr lang="en-US" smtClean="0"/>
-              <a:t>4/15/2019</a:t>
+              <a:t>11/26/2020</a:t>
             </a:fld>
             <a:endParaRPr lang="en-US"/>
           </a:p>
@@ -2954,7 +2973,7 @@
           <a:p>
             <a:fld id="{1451AC46-F7BF-44D3-9ECB-7DDAC9A69083}" type="datetimeFigureOut">
               <a:rPr lang="en-US" smtClean="0"/>
-              <a:t>4/15/2019</a:t>
+              <a:t>11/26/2020</a:t>
             </a:fld>
             <a:endParaRPr lang="en-US"/>
           </a:p>
@@ -3229,7 +3248,7 @@
           <a:p>
             <a:fld id="{1451AC46-F7BF-44D3-9ECB-7DDAC9A69083}" type="datetimeFigureOut">
               <a:rPr lang="en-US" smtClean="0"/>
-              <a:t>4/15/2019</a:t>
+              <a:t>11/26/2020</a:t>
             </a:fld>
             <a:endParaRPr lang="en-US"/>
           </a:p>
@@ -3494,7 +3513,7 @@
           <a:p>
             <a:fld id="{1451AC46-F7BF-44D3-9ECB-7DDAC9A69083}" type="datetimeFigureOut">
               <a:rPr lang="en-US" smtClean="0"/>
-              <a:t>4/15/2019</a:t>
+              <a:t>11/26/2020</a:t>
             </a:fld>
             <a:endParaRPr lang="en-US"/>
           </a:p>
@@ -3906,7 +3925,7 @@
           <a:p>
             <a:fld id="{1451AC46-F7BF-44D3-9ECB-7DDAC9A69083}" type="datetimeFigureOut">
               <a:rPr lang="en-US" smtClean="0"/>
-              <a:t>4/15/2019</a:t>
+              <a:t>11/26/2020</a:t>
             </a:fld>
             <a:endParaRPr lang="en-US"/>
           </a:p>
@@ -4047,7 +4066,7 @@
           <a:p>
             <a:fld id="{1451AC46-F7BF-44D3-9ECB-7DDAC9A69083}" type="datetimeFigureOut">
               <a:rPr lang="en-US" smtClean="0"/>
-              <a:t>4/15/2019</a:t>
+              <a:t>11/26/2020</a:t>
             </a:fld>
             <a:endParaRPr lang="en-US"/>
           </a:p>
@@ -4160,7 +4179,7 @@
           <a:p>
             <a:fld id="{1451AC46-F7BF-44D3-9ECB-7DDAC9A69083}" type="datetimeFigureOut">
               <a:rPr lang="en-US" smtClean="0"/>
-              <a:t>4/15/2019</a:t>
+              <a:t>11/26/2020</a:t>
             </a:fld>
             <a:endParaRPr lang="en-US"/>
           </a:p>
@@ -4471,7 +4490,7 @@
           <a:p>
             <a:fld id="{1451AC46-F7BF-44D3-9ECB-7DDAC9A69083}" type="datetimeFigureOut">
               <a:rPr lang="en-US" smtClean="0"/>
-              <a:t>4/15/2019</a:t>
+              <a:t>11/26/2020</a:t>
             </a:fld>
             <a:endParaRPr lang="en-US"/>
           </a:p>
@@ -4759,7 +4778,7 @@
           <a:p>
             <a:fld id="{1451AC46-F7BF-44D3-9ECB-7DDAC9A69083}" type="datetimeFigureOut">
               <a:rPr lang="en-US" smtClean="0"/>
-              <a:t>4/15/2019</a:t>
+              <a:t>11/26/2020</a:t>
             </a:fld>
             <a:endParaRPr lang="en-US"/>
           </a:p>
@@ -5000,7 +5019,7 @@
           <a:p>
             <a:fld id="{1451AC46-F7BF-44D3-9ECB-7DDAC9A69083}" type="datetimeFigureOut">
               <a:rPr lang="en-US" smtClean="0"/>
-              <a:t>4/15/2019</a:t>
+              <a:t>11/26/2020</a:t>
             </a:fld>
             <a:endParaRPr lang="en-US"/>
           </a:p>

--- a/5.Crypto/Cryptology10-HTTPSandTLS.pptx
+++ b/5.Crypto/Cryptology10-HTTPSandTLS.pptx
@@ -1503,6 +1503,25 @@
           <a:p>
             <a:r>
               <a:rPr lang="en-US" dirty="0"/>
+              <a:t>Here is a great video on TLS. </a:t>
+            </a:r>
+            <a:r>
+              <a:rPr lang="en-US" dirty="0">
+                <a:hlinkClick r:id="rId3"/>
+              </a:rPr>
+              <a:t>https://www.youtube.com/watch?v=0TLDTodL7Lc</a:t>
+            </a:r>
+            <a:r>
+              <a:rPr lang="en-US" dirty="0"/>
+              <a:t> </a:t>
+            </a:r>
+          </a:p>
+          <a:p>
+            <a:endParaRPr lang="en-US" dirty="0"/>
+          </a:p>
+          <a:p>
+            <a:r>
+              <a:rPr lang="en-US" dirty="0"/>
               <a:t>The SSL protocol has been out of use for a few years, but the term is still used to refer to encrypted web traffic.</a:t>
             </a:r>
           </a:p>
@@ -1640,32 +1659,13 @@
           <a:p>
             <a:r>
               <a:rPr lang="en-US" dirty="0"/>
-              <a:t>Here is a great video on TLS. </a:t>
-            </a:r>
+              <a:t>Here is a listing of TLS libraries.</a:t>
+            </a:r>
+          </a:p>
+          <a:p>
             <a:r>
               <a:rPr lang="en-US" dirty="0">
                 <a:hlinkClick r:id="rId3"/>
-              </a:rPr>
-              <a:t>https://www.youtube.com/watch?v=0TLDTodL7Lc</a:t>
-            </a:r>
-            <a:r>
-              <a:rPr lang="en-US" dirty="0"/>
-              <a:t> </a:t>
-            </a:r>
-          </a:p>
-          <a:p>
-            <a:endParaRPr lang="en-US" dirty="0"/>
-          </a:p>
-          <a:p>
-            <a:r>
-              <a:rPr lang="en-US" dirty="0"/>
-              <a:t>Here is a listing of TLS libraries.</a:t>
-            </a:r>
-          </a:p>
-          <a:p>
-            <a:r>
-              <a:rPr lang="en-US" dirty="0">
-                <a:hlinkClick r:id="rId4"/>
               </a:rPr>
               <a:t>https://en.wikipedia.org/wiki/Comparison_of_TLS_implementations</a:t>
             </a:r>
@@ -6981,7 +6981,7 @@
         <p:spPr/>
         <p:txBody>
           <a:bodyPr>
-            <a:normAutofit lnSpcReduction="10000"/>
+            <a:normAutofit fontScale="92500"/>
           </a:bodyPr>
           <a:lstStyle/>
           <a:p>
@@ -7057,7 +7057,7 @@
             <a:pPr lvl="1"/>
             <a:r>
               <a:rPr lang="en-US" dirty="0"/>
-              <a:t>Server Key Exchange.  Server’s info to create shared key, depends on cipher suite, may be omitted if not Diffie-Hellman</a:t>
+              <a:t>Server Key Exchange.  Server’s info to create shared key, depends on cipher suite</a:t>
             </a:r>
           </a:p>
           <a:p>
@@ -7082,8 +7082,19 @@
             </a:r>
           </a:p>
           <a:p>
-            <a:pPr lvl="1"/>
-            <a:endParaRPr lang="en-US" dirty="0"/>
+            <a:pPr marL="457200" lvl="1" indent="0">
+              <a:buNone/>
+            </a:pPr>
+            <a:r>
+              <a:rPr lang="en-US" dirty="0">
+                <a:hlinkClick r:id="rId3"/>
+              </a:rPr>
+              <a:t>https://www.youtube.com/watch?v=86cQJ0MMses</a:t>
+            </a:r>
+            <a:r>
+              <a:rPr lang="en-US" dirty="0"/>
+              <a:t> </a:t>
+            </a:r>
           </a:p>
         </p:txBody>
       </p:sp>
